--- a/doc/tex/sdf/simplified_coherent_receiver/figures/detailed_subsystem.pptx
+++ b/doc/tex/sdf/simplified_coherent_receiver/figures/detailed_subsystem.pptx
@@ -104,6 +104,11 @@
       </a:defRPr>
     </a:lvl9pPr>
   </p:defaultTextStyle>
+  <p:extLst>
+    <p:ext uri="{EFAFB233-063F-42B5-8137-9DF3F51BA10A}">
+      <p15:sldGuideLst xmlns:p15="http://schemas.microsoft.com/office/powerpoint/2012/main"/>
+    </p:ext>
+  </p:extLst>
 </p:presentation>
 </file>
 
@@ -238,7 +243,7 @@
           <a:p>
             <a:fld id="{5BB4AFF3-1E4D-49CB-8459-8759B86F7306}" type="datetimeFigureOut">
               <a:rPr lang="en-US" smtClean="0"/>
-              <a:t>7/25/2017</a:t>
+              <a:t>7/26/2017</a:t>
             </a:fld>
             <a:endParaRPr lang="en-US"/>
           </a:p>
@@ -408,7 +413,7 @@
           <a:p>
             <a:fld id="{5BB4AFF3-1E4D-49CB-8459-8759B86F7306}" type="datetimeFigureOut">
               <a:rPr lang="en-US" smtClean="0"/>
-              <a:t>7/25/2017</a:t>
+              <a:t>7/26/2017</a:t>
             </a:fld>
             <a:endParaRPr lang="en-US"/>
           </a:p>
@@ -588,7 +593,7 @@
           <a:p>
             <a:fld id="{5BB4AFF3-1E4D-49CB-8459-8759B86F7306}" type="datetimeFigureOut">
               <a:rPr lang="en-US" smtClean="0"/>
-              <a:t>7/25/2017</a:t>
+              <a:t>7/26/2017</a:t>
             </a:fld>
             <a:endParaRPr lang="en-US"/>
           </a:p>
@@ -758,7 +763,7 @@
           <a:p>
             <a:fld id="{5BB4AFF3-1E4D-49CB-8459-8759B86F7306}" type="datetimeFigureOut">
               <a:rPr lang="en-US" smtClean="0"/>
-              <a:t>7/25/2017</a:t>
+              <a:t>7/26/2017</a:t>
             </a:fld>
             <a:endParaRPr lang="en-US"/>
           </a:p>
@@ -1004,7 +1009,7 @@
           <a:p>
             <a:fld id="{5BB4AFF3-1E4D-49CB-8459-8759B86F7306}" type="datetimeFigureOut">
               <a:rPr lang="en-US" smtClean="0"/>
-              <a:t>7/25/2017</a:t>
+              <a:t>7/26/2017</a:t>
             </a:fld>
             <a:endParaRPr lang="en-US"/>
           </a:p>
@@ -1236,7 +1241,7 @@
           <a:p>
             <a:fld id="{5BB4AFF3-1E4D-49CB-8459-8759B86F7306}" type="datetimeFigureOut">
               <a:rPr lang="en-US" smtClean="0"/>
-              <a:t>7/25/2017</a:t>
+              <a:t>7/26/2017</a:t>
             </a:fld>
             <a:endParaRPr lang="en-US"/>
           </a:p>
@@ -1603,7 +1608,7 @@
           <a:p>
             <a:fld id="{5BB4AFF3-1E4D-49CB-8459-8759B86F7306}" type="datetimeFigureOut">
               <a:rPr lang="en-US" smtClean="0"/>
-              <a:t>7/25/2017</a:t>
+              <a:t>7/26/2017</a:t>
             </a:fld>
             <a:endParaRPr lang="en-US"/>
           </a:p>
@@ -1721,7 +1726,7 @@
           <a:p>
             <a:fld id="{5BB4AFF3-1E4D-49CB-8459-8759B86F7306}" type="datetimeFigureOut">
               <a:rPr lang="en-US" smtClean="0"/>
-              <a:t>7/25/2017</a:t>
+              <a:t>7/26/2017</a:t>
             </a:fld>
             <a:endParaRPr lang="en-US"/>
           </a:p>
@@ -1816,7 +1821,7 @@
           <a:p>
             <a:fld id="{5BB4AFF3-1E4D-49CB-8459-8759B86F7306}" type="datetimeFigureOut">
               <a:rPr lang="en-US" smtClean="0"/>
-              <a:t>7/25/2017</a:t>
+              <a:t>7/26/2017</a:t>
             </a:fld>
             <a:endParaRPr lang="en-US"/>
           </a:p>
@@ -2093,7 +2098,7 @@
           <a:p>
             <a:fld id="{5BB4AFF3-1E4D-49CB-8459-8759B86F7306}" type="datetimeFigureOut">
               <a:rPr lang="en-US" smtClean="0"/>
-              <a:t>7/25/2017</a:t>
+              <a:t>7/26/2017</a:t>
             </a:fld>
             <a:endParaRPr lang="en-US"/>
           </a:p>
@@ -2346,7 +2351,7 @@
           <a:p>
             <a:fld id="{5BB4AFF3-1E4D-49CB-8459-8759B86F7306}" type="datetimeFigureOut">
               <a:rPr lang="en-US" smtClean="0"/>
-              <a:t>7/25/2017</a:t>
+              <a:t>7/26/2017</a:t>
             </a:fld>
             <a:endParaRPr lang="en-US"/>
           </a:p>
@@ -2559,7 +2564,7 @@
           <a:p>
             <a:fld id="{5BB4AFF3-1E4D-49CB-8459-8759B86F7306}" type="datetimeFigureOut">
               <a:rPr lang="en-US" smtClean="0"/>
-              <a:t>7/25/2017</a:t>
+              <a:t>7/26/2017</a:t>
             </a:fld>
             <a:endParaRPr lang="en-US"/>
           </a:p>
@@ -3006,6 +3011,12 @@
               <a:prstGeom prst="rect">
                 <a:avLst/>
               </a:prstGeom>
+              <a:solidFill>
+                <a:schemeClr val="accent6">
+                  <a:lumMod val="40000"/>
+                  <a:lumOff val="60000"/>
+                </a:schemeClr>
+              </a:solidFill>
               <a:ln w="28575"/>
             </p:spPr>
             <p:style>
@@ -3028,13 +3039,13 @@
               <a:p>
                 <a:pPr algn="ctr"/>
                 <a:r>
-                  <a:rPr lang="en-US" sz="2000" dirty="0" smtClean="0">
+                  <a:rPr lang="en-US" sz="2000" b="1" dirty="0" smtClean="0">
                     <a:latin typeface="Times New Roman" panose="02020603050405020304" pitchFamily="18" charset="0"/>
                     <a:cs typeface="Times New Roman" panose="02020603050405020304" pitchFamily="18" charset="0"/>
                   </a:rPr>
                   <a:t>Optical SSB signal generation Hilbert Transformation</a:t>
                 </a:r>
-                <a:endParaRPr lang="en-US" sz="2000" dirty="0">
+                <a:endParaRPr lang="en-US" sz="2000" b="1" dirty="0">
                   <a:latin typeface="Times New Roman" panose="02020603050405020304" pitchFamily="18" charset="0"/>
                   <a:cs typeface="Times New Roman" panose="02020603050405020304" pitchFamily="18" charset="0"/>
                 </a:endParaRPr>
@@ -3055,6 +3066,12 @@
               <a:prstGeom prst="rect">
                 <a:avLst/>
               </a:prstGeom>
+              <a:solidFill>
+                <a:schemeClr val="accent5">
+                  <a:lumMod val="40000"/>
+                  <a:lumOff val="60000"/>
+                </a:schemeClr>
+              </a:solidFill>
               <a:ln w="28575"/>
             </p:spPr>
             <p:style>
@@ -3077,13 +3094,13 @@
               <a:p>
                 <a:pPr algn="ctr"/>
                 <a:r>
-                  <a:rPr lang="en-US" sz="2000" dirty="0" smtClean="0">
+                  <a:rPr lang="en-US" sz="2000" b="1" dirty="0" smtClean="0">
                     <a:latin typeface="Times New Roman" panose="02020603050405020304" pitchFamily="18" charset="0"/>
                     <a:cs typeface="Times New Roman" panose="02020603050405020304" pitchFamily="18" charset="0"/>
                   </a:rPr>
                   <a:t>RF UP-Conversion</a:t>
                 </a:r>
-                <a:endParaRPr lang="en-US" sz="2000" dirty="0">
+                <a:endParaRPr lang="en-US" sz="2000" b="1" dirty="0">
                   <a:latin typeface="Times New Roman" panose="02020603050405020304" pitchFamily="18" charset="0"/>
                   <a:cs typeface="Times New Roman" panose="02020603050405020304" pitchFamily="18" charset="0"/>
                 </a:endParaRPr>
@@ -3104,6 +3121,12 @@
               <a:prstGeom prst="rect">
                 <a:avLst/>
               </a:prstGeom>
+              <a:solidFill>
+                <a:schemeClr val="accent4">
+                  <a:lumMod val="40000"/>
+                  <a:lumOff val="60000"/>
+                </a:schemeClr>
+              </a:solidFill>
               <a:ln w="28575"/>
             </p:spPr>
             <p:style>
@@ -3143,6 +3166,12 @@
               <a:prstGeom prst="rect">
                 <a:avLst/>
               </a:prstGeom>
+              <a:solidFill>
+                <a:schemeClr val="accent2">
+                  <a:lumMod val="40000"/>
+                  <a:lumOff val="60000"/>
+                </a:schemeClr>
+              </a:solidFill>
               <a:ln w="28575"/>
             </p:spPr>
             <p:style>
@@ -3197,6 +3226,9 @@
               <a:prstGeom prst="rect">
                 <a:avLst/>
               </a:prstGeom>
+              <a:solidFill>
+                <a:srgbClr val="FF0000"/>
+              </a:solidFill>
               <a:ln w="28575"/>
             </p:spPr>
             <p:style>
@@ -3219,13 +3251,13 @@
               <a:p>
                 <a:pPr algn="ctr"/>
                 <a:r>
-                  <a:rPr lang="en-US" sz="2000" dirty="0" smtClean="0">
+                  <a:rPr lang="en-US" sz="2000" b="1" dirty="0" smtClean="0">
                     <a:latin typeface="Times New Roman" panose="02020603050405020304" pitchFamily="18" charset="0"/>
                     <a:cs typeface="Times New Roman" panose="02020603050405020304" pitchFamily="18" charset="0"/>
                   </a:rPr>
                   <a:t>DAC</a:t>
                 </a:r>
-                <a:endParaRPr lang="en-US" sz="2000" dirty="0">
+                <a:endParaRPr lang="en-US" sz="2000" b="1" dirty="0">
                   <a:latin typeface="Times New Roman" panose="02020603050405020304" pitchFamily="18" charset="0"/>
                   <a:cs typeface="Times New Roman" panose="02020603050405020304" pitchFamily="18" charset="0"/>
                 </a:endParaRPr>
@@ -3247,7 +3279,7 @@
                 <a:avLst/>
               </a:prstGeom>
               <a:solidFill>
-                <a:schemeClr val="bg1"/>
+                <a:srgbClr val="92D050"/>
               </a:solidFill>
               <a:ln w="28575">
                 <a:solidFill>
@@ -3278,7 +3310,7 @@
               <a:p>
                 <a:pPr algn="ctr"/>
                 <a:r>
-                  <a:rPr lang="en-US" sz="2000" dirty="0">
+                  <a:rPr lang="en-US" sz="2000" b="1" dirty="0">
                     <a:solidFill>
                       <a:schemeClr val="dk1"/>
                     </a:solidFill>
@@ -3304,6 +3336,9 @@
               <a:prstGeom prst="rect">
                 <a:avLst/>
               </a:prstGeom>
+              <a:solidFill>
+                <a:srgbClr val="FF0000"/>
+              </a:solidFill>
               <a:ln w="28575"/>
             </p:spPr>
             <p:style>
@@ -3326,7 +3361,7 @@
               <a:p>
                 <a:pPr algn="ctr"/>
                 <a:r>
-                  <a:rPr lang="en-US" sz="2000" dirty="0">
+                  <a:rPr lang="en-US" sz="2000" b="1" dirty="0">
                     <a:latin typeface="Times New Roman" panose="02020603050405020304" pitchFamily="18" charset="0"/>
                     <a:cs typeface="Times New Roman" panose="02020603050405020304" pitchFamily="18" charset="0"/>
                   </a:rPr>
@@ -3364,6 +3399,12 @@
               <a:prstGeom prst="rect">
                 <a:avLst/>
               </a:prstGeom>
+              <a:solidFill>
+                <a:schemeClr val="accent6">
+                  <a:lumMod val="40000"/>
+                  <a:lumOff val="60000"/>
+                </a:schemeClr>
+              </a:solidFill>
               <a:ln w="28575"/>
             </p:spPr>
             <p:style>
@@ -3386,7 +3427,7 @@
               <a:p>
                 <a:pPr algn="ctr"/>
                 <a:r>
-                  <a:rPr lang="en-US" sz="2000" dirty="0">
+                  <a:rPr lang="en-US" sz="2000" b="1" dirty="0">
                     <a:latin typeface="Times New Roman" panose="02020603050405020304" pitchFamily="18" charset="0"/>
                     <a:cs typeface="Times New Roman" panose="02020603050405020304" pitchFamily="18" charset="0"/>
                   </a:rPr>
@@ -3409,6 +3450,12 @@
               <a:prstGeom prst="rect">
                 <a:avLst/>
               </a:prstGeom>
+              <a:solidFill>
+                <a:schemeClr val="accent5">
+                  <a:lumMod val="40000"/>
+                  <a:lumOff val="60000"/>
+                </a:schemeClr>
+              </a:solidFill>
               <a:ln w="28575"/>
             </p:spPr>
             <p:style>
@@ -3431,7 +3478,7 @@
               <a:p>
                 <a:pPr algn="ctr"/>
                 <a:r>
-                  <a:rPr lang="en-US" sz="2000" dirty="0">
+                  <a:rPr lang="en-US" sz="2000" b="1" dirty="0">
                     <a:latin typeface="Times New Roman" panose="02020603050405020304" pitchFamily="18" charset="0"/>
                     <a:cs typeface="Times New Roman" panose="02020603050405020304" pitchFamily="18" charset="0"/>
                   </a:rPr>
@@ -3454,6 +3501,67 @@
               <a:prstGeom prst="rect">
                 <a:avLst/>
               </a:prstGeom>
+              <a:solidFill>
+                <a:schemeClr val="accent4">
+                  <a:lumMod val="40000"/>
+                  <a:lumOff val="60000"/>
+                </a:schemeClr>
+              </a:solidFill>
+              <a:ln w="28575">
+                <a:solidFill>
+                  <a:schemeClr val="tx1"/>
+                </a:solidFill>
+              </a:ln>
+            </p:spPr>
+            <p:style>
+              <a:lnRef idx="2">
+                <a:schemeClr val="dk1"/>
+              </a:lnRef>
+              <a:fillRef idx="1">
+                <a:schemeClr val="lt1"/>
+              </a:fillRef>
+              <a:effectRef idx="0">
+                <a:schemeClr val="dk1"/>
+              </a:effectRef>
+              <a:fontRef idx="minor">
+                <a:schemeClr val="dk1"/>
+              </a:fontRef>
+            </p:style>
+            <p:txBody>
+              <a:bodyPr vert="vert270" rtlCol="0" anchor="ctr"/>
+              <a:lstStyle/>
+              <a:p>
+                <a:pPr algn="ctr"/>
+                <a:r>
+                  <a:rPr lang="en-US" sz="2000" b="1" dirty="0">
+                    <a:latin typeface="Times New Roman" panose="02020603050405020304" pitchFamily="18" charset="0"/>
+                    <a:cs typeface="Times New Roman" panose="02020603050405020304" pitchFamily="18" charset="0"/>
+                  </a:rPr>
+                  <a:t>IQ separation</a:t>
+                </a:r>
+              </a:p>
+            </p:txBody>
+          </p:sp>
+          <p:sp>
+            <p:nvSpPr>
+              <p:cNvPr id="18" name="Rectangle 17"/>
+              <p:cNvSpPr/>
+              <p:nvPr/>
+            </p:nvSpPr>
+            <p:spPr>
+              <a:xfrm>
+                <a:off x="9291658" y="2102264"/>
+                <a:ext cx="561643" cy="2469734"/>
+              </a:xfrm>
+              <a:prstGeom prst="rect">
+                <a:avLst/>
+              </a:prstGeom>
+              <a:solidFill>
+                <a:schemeClr val="accent2">
+                  <a:lumMod val="40000"/>
+                  <a:lumOff val="60000"/>
+                </a:schemeClr>
+              </a:solidFill>
               <a:ln w="28575"/>
             </p:spPr>
             <p:style>
@@ -3476,29 +3584,45 @@
               <a:p>
                 <a:pPr algn="ctr"/>
                 <a:r>
-                  <a:rPr lang="en-US" sz="2000" dirty="0">
+                  <a:rPr lang="en-US" sz="2000" b="1" dirty="0">
                     <a:latin typeface="Times New Roman" panose="02020603050405020304" pitchFamily="18" charset="0"/>
                     <a:cs typeface="Times New Roman" panose="02020603050405020304" pitchFamily="18" charset="0"/>
                   </a:rPr>
-                  <a:t>IQ separation</a:t>
+                  <a:t>Polarization Processing</a:t>
+                </a:r>
+              </a:p>
+              <a:p>
+                <a:pPr algn="ctr"/>
+                <a:r>
+                  <a:rPr lang="en-US" sz="2000" b="1" dirty="0">
+                    <a:latin typeface="Times New Roman" panose="02020603050405020304" pitchFamily="18" charset="0"/>
+                    <a:cs typeface="Times New Roman" panose="02020603050405020304" pitchFamily="18" charset="0"/>
+                  </a:rPr>
+                  <a:t>(Stokes)</a:t>
                 </a:r>
               </a:p>
             </p:txBody>
           </p:sp>
           <p:sp>
             <p:nvSpPr>
-              <p:cNvPr id="18" name="Rectangle 17"/>
+              <p:cNvPr id="19" name="Rectangle 18"/>
               <p:cNvSpPr/>
               <p:nvPr/>
             </p:nvSpPr>
             <p:spPr>
               <a:xfrm>
-                <a:off x="9291658" y="2102264"/>
+                <a:off x="9853300" y="2102264"/>
                 <a:ext cx="561643" cy="2469734"/>
               </a:xfrm>
               <a:prstGeom prst="rect">
                 <a:avLst/>
               </a:prstGeom>
+              <a:solidFill>
+                <a:schemeClr val="accent3">
+                  <a:lumMod val="40000"/>
+                  <a:lumOff val="60000"/>
+                </a:schemeClr>
+              </a:solidFill>
               <a:ln w="28575"/>
             </p:spPr>
             <p:style>
@@ -3521,69 +3645,14 @@
               <a:p>
                 <a:pPr algn="ctr"/>
                 <a:r>
-                  <a:rPr lang="en-US" sz="2000" dirty="0">
-                    <a:latin typeface="Times New Roman" panose="02020603050405020304" pitchFamily="18" charset="0"/>
-                    <a:cs typeface="Times New Roman" panose="02020603050405020304" pitchFamily="18" charset="0"/>
-                  </a:rPr>
-                  <a:t>Polarization Processing</a:t>
-                </a:r>
-              </a:p>
-              <a:p>
-                <a:pPr algn="ctr"/>
-                <a:r>
-                  <a:rPr lang="en-US" sz="2000" dirty="0">
-                    <a:latin typeface="Times New Roman" panose="02020603050405020304" pitchFamily="18" charset="0"/>
-                    <a:cs typeface="Times New Roman" panose="02020603050405020304" pitchFamily="18" charset="0"/>
-                  </a:rPr>
-                  <a:t>(Stokes)</a:t>
-                </a:r>
-              </a:p>
-            </p:txBody>
-          </p:sp>
-          <p:sp>
-            <p:nvSpPr>
-              <p:cNvPr id="19" name="Rectangle 18"/>
-              <p:cNvSpPr/>
-              <p:nvPr/>
-            </p:nvSpPr>
-            <p:spPr>
-              <a:xfrm>
-                <a:off x="9853300" y="2102264"/>
-                <a:ext cx="561643" cy="2469734"/>
-              </a:xfrm>
-              <a:prstGeom prst="rect">
-                <a:avLst/>
-              </a:prstGeom>
-              <a:ln w="28575"/>
-            </p:spPr>
-            <p:style>
-              <a:lnRef idx="2">
-                <a:schemeClr val="dk1"/>
-              </a:lnRef>
-              <a:fillRef idx="1">
-                <a:schemeClr val="lt1"/>
-              </a:fillRef>
-              <a:effectRef idx="0">
-                <a:schemeClr val="dk1"/>
-              </a:effectRef>
-              <a:fontRef idx="minor">
-                <a:schemeClr val="dk1"/>
-              </a:fontRef>
-            </p:style>
-            <p:txBody>
-              <a:bodyPr vert="vert270" rtlCol="0" anchor="ctr"/>
-              <a:lstStyle/>
-              <a:p>
-                <a:pPr algn="ctr"/>
-                <a:r>
-                  <a:rPr lang="en-US" sz="2000" dirty="0" smtClean="0">
+                  <a:rPr lang="en-US" sz="2000" b="1" dirty="0" smtClean="0">
                     <a:latin typeface="Times New Roman" panose="02020603050405020304" pitchFamily="18" charset="0"/>
                     <a:cs typeface="Times New Roman" panose="02020603050405020304" pitchFamily="18" charset="0"/>
                   </a:rPr>
                   <a:t>Ca</a:t>
                 </a:r>
                 <a:r>
-                  <a:rPr lang="en-US" sz="2000" dirty="0">
+                  <a:rPr lang="en-US" sz="2000" b="1" dirty="0">
                     <a:latin typeface="Times New Roman" panose="02020603050405020304" pitchFamily="18" charset="0"/>
                     <a:cs typeface="Times New Roman" panose="02020603050405020304" pitchFamily="18" charset="0"/>
                   </a:rPr>
